--- a/ppt 16-9/0904.在主里祝福你.pptx
+++ b/ppt 16-9/0904.在主里祝福你.pptx
@@ -129,7 +129,7 @@
           <p:cNvPr id="2" name="标题 1">
             <a:extLst>
               <a:ext uri="{FF2B5EF4-FFF2-40B4-BE49-F238E27FC236}">
-                <a16:creationId xmlns:a16="http://schemas.microsoft.com/office/drawing/2014/main" id="{12D3F913-708B-D5FF-10DD-13CD0903A939}"/>
+                <a16:creationId xmlns:a16="http://schemas.microsoft.com/office/drawing/2014/main" id="{6ABC78D8-2D62-3885-40D1-3392A1BCEF96}"/>
               </a:ext>
             </a:extLst>
           </p:cNvPr>
@@ -166,7 +166,7 @@
           <p:cNvPr id="3" name="副标题 2">
             <a:extLst>
               <a:ext uri="{FF2B5EF4-FFF2-40B4-BE49-F238E27FC236}">
-                <a16:creationId xmlns:a16="http://schemas.microsoft.com/office/drawing/2014/main" id="{DBD94288-0AD0-02F5-D2AC-16B882EA6940}"/>
+                <a16:creationId xmlns:a16="http://schemas.microsoft.com/office/drawing/2014/main" id="{C4849030-D1DF-39C9-4F6C-19AA3E190C79}"/>
               </a:ext>
             </a:extLst>
           </p:cNvPr>
@@ -236,7 +236,7 @@
           <p:cNvPr id="4" name="日期占位符 3">
             <a:extLst>
               <a:ext uri="{FF2B5EF4-FFF2-40B4-BE49-F238E27FC236}">
-                <a16:creationId xmlns:a16="http://schemas.microsoft.com/office/drawing/2014/main" id="{D02208C4-FAC3-77BE-4D30-BED72BAA6ECB}"/>
+                <a16:creationId xmlns:a16="http://schemas.microsoft.com/office/drawing/2014/main" id="{4B7F6858-A240-CD5E-B641-F44C29D24172}"/>
               </a:ext>
             </a:extLst>
           </p:cNvPr>
@@ -252,7 +252,7 @@
           <a:bodyPr/>
           <a:lstStyle/>
           <a:p>
-            <a:fld id="{5A87188C-FE09-407A-9E7D-7EBF6D43FBC6}" type="datetimeFigureOut">
+            <a:fld id="{E21695D3-DBF8-4401-8AE5-9CD69B9C8440}" type="datetimeFigureOut">
               <a:rPr lang="zh-CN" altLang="en-US" smtClean="0"/>
               <a:t>2024/3/10</a:t>
             </a:fld>
@@ -265,7 +265,7 @@
           <p:cNvPr id="5" name="页脚占位符 4">
             <a:extLst>
               <a:ext uri="{FF2B5EF4-FFF2-40B4-BE49-F238E27FC236}">
-                <a16:creationId xmlns:a16="http://schemas.microsoft.com/office/drawing/2014/main" id="{890EBF92-4E04-E54E-1918-6C6BC0BB1213}"/>
+                <a16:creationId xmlns:a16="http://schemas.microsoft.com/office/drawing/2014/main" id="{8B6E1FA5-D423-CD6A-EAE2-0A2363526BEF}"/>
               </a:ext>
             </a:extLst>
           </p:cNvPr>
@@ -290,7 +290,7 @@
           <p:cNvPr id="6" name="灯片编号占位符 5">
             <a:extLst>
               <a:ext uri="{FF2B5EF4-FFF2-40B4-BE49-F238E27FC236}">
-                <a16:creationId xmlns:a16="http://schemas.microsoft.com/office/drawing/2014/main" id="{FEBE4D55-5440-F867-A016-75D2301C4575}"/>
+                <a16:creationId xmlns:a16="http://schemas.microsoft.com/office/drawing/2014/main" id="{D7FECB83-1C0F-E4F0-4444-987F438BA84F}"/>
               </a:ext>
             </a:extLst>
           </p:cNvPr>
@@ -306,7 +306,7 @@
           <a:bodyPr/>
           <a:lstStyle/>
           <a:p>
-            <a:fld id="{1D7D6D67-ABDB-455D-ADCA-1D36A744D26B}" type="slidenum">
+            <a:fld id="{034E6BA7-3FDE-45F1-8FD1-267243AC1EFC}" type="slidenum">
               <a:rPr lang="zh-CN" altLang="en-US" smtClean="0"/>
               <a:t>‹#›</a:t>
             </a:fld>
@@ -317,7 +317,7 @@
     </p:spTree>
     <p:extLst>
       <p:ext uri="{BB962C8B-B14F-4D97-AF65-F5344CB8AC3E}">
-        <p14:creationId xmlns:p14="http://schemas.microsoft.com/office/powerpoint/2010/main" val="3347677064"/>
+        <p14:creationId xmlns:p14="http://schemas.microsoft.com/office/powerpoint/2010/main" val="1833680703"/>
       </p:ext>
     </p:extLst>
   </p:cSld>
@@ -349,7 +349,7 @@
           <p:cNvPr id="2" name="标题 1">
             <a:extLst>
               <a:ext uri="{FF2B5EF4-FFF2-40B4-BE49-F238E27FC236}">
-                <a16:creationId xmlns:a16="http://schemas.microsoft.com/office/drawing/2014/main" id="{A65AD48F-EC7B-E335-11AD-D7B7CB23A6F9}"/>
+                <a16:creationId xmlns:a16="http://schemas.microsoft.com/office/drawing/2014/main" id="{CE018F09-C1B1-89F0-D94B-0E8A15D90A3A}"/>
               </a:ext>
             </a:extLst>
           </p:cNvPr>
@@ -377,7 +377,7 @@
           <p:cNvPr id="3" name="竖排文字占位符 2">
             <a:extLst>
               <a:ext uri="{FF2B5EF4-FFF2-40B4-BE49-F238E27FC236}">
-                <a16:creationId xmlns:a16="http://schemas.microsoft.com/office/drawing/2014/main" id="{5621AE7C-439D-9F2D-4697-CCE1C7B81BDC}"/>
+                <a16:creationId xmlns:a16="http://schemas.microsoft.com/office/drawing/2014/main" id="{E1BCF408-5798-D7E0-F71C-0073A1568BEE}"/>
               </a:ext>
             </a:extLst>
           </p:cNvPr>
@@ -434,7 +434,7 @@
           <p:cNvPr id="4" name="日期占位符 3">
             <a:extLst>
               <a:ext uri="{FF2B5EF4-FFF2-40B4-BE49-F238E27FC236}">
-                <a16:creationId xmlns:a16="http://schemas.microsoft.com/office/drawing/2014/main" id="{D0566D4B-B935-45AC-562E-3B22AAADA844}"/>
+                <a16:creationId xmlns:a16="http://schemas.microsoft.com/office/drawing/2014/main" id="{B13E7A6F-FBE7-4971-83F7-09563F34E0DA}"/>
               </a:ext>
             </a:extLst>
           </p:cNvPr>
@@ -450,7 +450,7 @@
           <a:bodyPr/>
           <a:lstStyle/>
           <a:p>
-            <a:fld id="{5A87188C-FE09-407A-9E7D-7EBF6D43FBC6}" type="datetimeFigureOut">
+            <a:fld id="{E21695D3-DBF8-4401-8AE5-9CD69B9C8440}" type="datetimeFigureOut">
               <a:rPr lang="zh-CN" altLang="en-US" smtClean="0"/>
               <a:t>2024/3/10</a:t>
             </a:fld>
@@ -463,7 +463,7 @@
           <p:cNvPr id="5" name="页脚占位符 4">
             <a:extLst>
               <a:ext uri="{FF2B5EF4-FFF2-40B4-BE49-F238E27FC236}">
-                <a16:creationId xmlns:a16="http://schemas.microsoft.com/office/drawing/2014/main" id="{3BB317B9-200D-805A-4978-620907ADD576}"/>
+                <a16:creationId xmlns:a16="http://schemas.microsoft.com/office/drawing/2014/main" id="{357FCC52-6C66-D20A-9ECE-22EC6C675F50}"/>
               </a:ext>
             </a:extLst>
           </p:cNvPr>
@@ -488,7 +488,7 @@
           <p:cNvPr id="6" name="灯片编号占位符 5">
             <a:extLst>
               <a:ext uri="{FF2B5EF4-FFF2-40B4-BE49-F238E27FC236}">
-                <a16:creationId xmlns:a16="http://schemas.microsoft.com/office/drawing/2014/main" id="{29AAEBA7-818F-A9C2-BE9B-B398D7255924}"/>
+                <a16:creationId xmlns:a16="http://schemas.microsoft.com/office/drawing/2014/main" id="{56D2DA07-C7D8-AE8C-1B31-B46AC69AE4B3}"/>
               </a:ext>
             </a:extLst>
           </p:cNvPr>
@@ -504,7 +504,7 @@
           <a:bodyPr/>
           <a:lstStyle/>
           <a:p>
-            <a:fld id="{1D7D6D67-ABDB-455D-ADCA-1D36A744D26B}" type="slidenum">
+            <a:fld id="{034E6BA7-3FDE-45F1-8FD1-267243AC1EFC}" type="slidenum">
               <a:rPr lang="zh-CN" altLang="en-US" smtClean="0"/>
               <a:t>‹#›</a:t>
             </a:fld>
@@ -515,7 +515,7 @@
     </p:spTree>
     <p:extLst>
       <p:ext uri="{BB962C8B-B14F-4D97-AF65-F5344CB8AC3E}">
-        <p14:creationId xmlns:p14="http://schemas.microsoft.com/office/powerpoint/2010/main" val="851209413"/>
+        <p14:creationId xmlns:p14="http://schemas.microsoft.com/office/powerpoint/2010/main" val="3445137927"/>
       </p:ext>
     </p:extLst>
   </p:cSld>
@@ -547,7 +547,7 @@
           <p:cNvPr id="2" name="竖排标题 1">
             <a:extLst>
               <a:ext uri="{FF2B5EF4-FFF2-40B4-BE49-F238E27FC236}">
-                <a16:creationId xmlns:a16="http://schemas.microsoft.com/office/drawing/2014/main" id="{7645A0A5-530E-14BE-D035-F40F54969119}"/>
+                <a16:creationId xmlns:a16="http://schemas.microsoft.com/office/drawing/2014/main" id="{75B0F1FB-ECE5-CDED-E262-D5C409A4D88D}"/>
               </a:ext>
             </a:extLst>
           </p:cNvPr>
@@ -580,7 +580,7 @@
           <p:cNvPr id="3" name="竖排文字占位符 2">
             <a:extLst>
               <a:ext uri="{FF2B5EF4-FFF2-40B4-BE49-F238E27FC236}">
-                <a16:creationId xmlns:a16="http://schemas.microsoft.com/office/drawing/2014/main" id="{9EC22412-6EAB-EFAB-2A6F-97BC5E72439D}"/>
+                <a16:creationId xmlns:a16="http://schemas.microsoft.com/office/drawing/2014/main" id="{A4442100-70F0-BEE6-4B27-81809997788E}"/>
               </a:ext>
             </a:extLst>
           </p:cNvPr>
@@ -642,7 +642,7 @@
           <p:cNvPr id="4" name="日期占位符 3">
             <a:extLst>
               <a:ext uri="{FF2B5EF4-FFF2-40B4-BE49-F238E27FC236}">
-                <a16:creationId xmlns:a16="http://schemas.microsoft.com/office/drawing/2014/main" id="{7A4A95E2-08E8-E464-14BA-2B4B9D5E19F9}"/>
+                <a16:creationId xmlns:a16="http://schemas.microsoft.com/office/drawing/2014/main" id="{5C982C97-1F1F-44C8-2E4D-BDC4ADCB34DE}"/>
               </a:ext>
             </a:extLst>
           </p:cNvPr>
@@ -658,7 +658,7 @@
           <a:bodyPr/>
           <a:lstStyle/>
           <a:p>
-            <a:fld id="{5A87188C-FE09-407A-9E7D-7EBF6D43FBC6}" type="datetimeFigureOut">
+            <a:fld id="{E21695D3-DBF8-4401-8AE5-9CD69B9C8440}" type="datetimeFigureOut">
               <a:rPr lang="zh-CN" altLang="en-US" smtClean="0"/>
               <a:t>2024/3/10</a:t>
             </a:fld>
@@ -671,7 +671,7 @@
           <p:cNvPr id="5" name="页脚占位符 4">
             <a:extLst>
               <a:ext uri="{FF2B5EF4-FFF2-40B4-BE49-F238E27FC236}">
-                <a16:creationId xmlns:a16="http://schemas.microsoft.com/office/drawing/2014/main" id="{34D23AE2-E84C-28F7-CB2B-FF70EE9ADBD4}"/>
+                <a16:creationId xmlns:a16="http://schemas.microsoft.com/office/drawing/2014/main" id="{6D726F6B-4AB0-507D-E73D-3DD3D7A912E2}"/>
               </a:ext>
             </a:extLst>
           </p:cNvPr>
@@ -696,7 +696,7 @@
           <p:cNvPr id="6" name="灯片编号占位符 5">
             <a:extLst>
               <a:ext uri="{FF2B5EF4-FFF2-40B4-BE49-F238E27FC236}">
-                <a16:creationId xmlns:a16="http://schemas.microsoft.com/office/drawing/2014/main" id="{7CD32CC8-8D69-D165-C308-86A84948B6D7}"/>
+                <a16:creationId xmlns:a16="http://schemas.microsoft.com/office/drawing/2014/main" id="{01B51031-FD51-F9F9-5B23-3DBB7FFC6AF5}"/>
               </a:ext>
             </a:extLst>
           </p:cNvPr>
@@ -712,7 +712,7 @@
           <a:bodyPr/>
           <a:lstStyle/>
           <a:p>
-            <a:fld id="{1D7D6D67-ABDB-455D-ADCA-1D36A744D26B}" type="slidenum">
+            <a:fld id="{034E6BA7-3FDE-45F1-8FD1-267243AC1EFC}" type="slidenum">
               <a:rPr lang="zh-CN" altLang="en-US" smtClean="0"/>
               <a:t>‹#›</a:t>
             </a:fld>
@@ -723,7 +723,7 @@
     </p:spTree>
     <p:extLst>
       <p:ext uri="{BB962C8B-B14F-4D97-AF65-F5344CB8AC3E}">
-        <p14:creationId xmlns:p14="http://schemas.microsoft.com/office/powerpoint/2010/main" val="3008995706"/>
+        <p14:creationId xmlns:p14="http://schemas.microsoft.com/office/powerpoint/2010/main" val="2321872152"/>
       </p:ext>
     </p:extLst>
   </p:cSld>
@@ -755,7 +755,7 @@
           <p:cNvPr id="2" name="标题 1">
             <a:extLst>
               <a:ext uri="{FF2B5EF4-FFF2-40B4-BE49-F238E27FC236}">
-                <a16:creationId xmlns:a16="http://schemas.microsoft.com/office/drawing/2014/main" id="{FED2ADBA-3DD3-7EC4-243E-36DD85BE3590}"/>
+                <a16:creationId xmlns:a16="http://schemas.microsoft.com/office/drawing/2014/main" id="{9F785F75-08C6-4DE5-C759-C9D718C7B776}"/>
               </a:ext>
             </a:extLst>
           </p:cNvPr>
@@ -783,7 +783,7 @@
           <p:cNvPr id="3" name="内容占位符 2">
             <a:extLst>
               <a:ext uri="{FF2B5EF4-FFF2-40B4-BE49-F238E27FC236}">
-                <a16:creationId xmlns:a16="http://schemas.microsoft.com/office/drawing/2014/main" id="{3DF28176-9079-7978-AC34-1EDAFAB1AD01}"/>
+                <a16:creationId xmlns:a16="http://schemas.microsoft.com/office/drawing/2014/main" id="{ED576868-2FF9-7AA9-FCEF-9ADC6DADF4B3}"/>
               </a:ext>
             </a:extLst>
           </p:cNvPr>
@@ -840,7 +840,7 @@
           <p:cNvPr id="4" name="日期占位符 3">
             <a:extLst>
               <a:ext uri="{FF2B5EF4-FFF2-40B4-BE49-F238E27FC236}">
-                <a16:creationId xmlns:a16="http://schemas.microsoft.com/office/drawing/2014/main" id="{9079120B-74D8-D465-BCB2-C6791C161421}"/>
+                <a16:creationId xmlns:a16="http://schemas.microsoft.com/office/drawing/2014/main" id="{98BECC95-605B-6DEA-5446-42D1FDBEB89D}"/>
               </a:ext>
             </a:extLst>
           </p:cNvPr>
@@ -856,7 +856,7 @@
           <a:bodyPr/>
           <a:lstStyle/>
           <a:p>
-            <a:fld id="{5A87188C-FE09-407A-9E7D-7EBF6D43FBC6}" type="datetimeFigureOut">
+            <a:fld id="{E21695D3-DBF8-4401-8AE5-9CD69B9C8440}" type="datetimeFigureOut">
               <a:rPr lang="zh-CN" altLang="en-US" smtClean="0"/>
               <a:t>2024/3/10</a:t>
             </a:fld>
@@ -869,7 +869,7 @@
           <p:cNvPr id="5" name="页脚占位符 4">
             <a:extLst>
               <a:ext uri="{FF2B5EF4-FFF2-40B4-BE49-F238E27FC236}">
-                <a16:creationId xmlns:a16="http://schemas.microsoft.com/office/drawing/2014/main" id="{AA79AA94-9BF6-DA75-CA03-55B4A9E865AB}"/>
+                <a16:creationId xmlns:a16="http://schemas.microsoft.com/office/drawing/2014/main" id="{163D136A-B14D-8DD8-CD6C-95F59814C321}"/>
               </a:ext>
             </a:extLst>
           </p:cNvPr>
@@ -894,7 +894,7 @@
           <p:cNvPr id="6" name="灯片编号占位符 5">
             <a:extLst>
               <a:ext uri="{FF2B5EF4-FFF2-40B4-BE49-F238E27FC236}">
-                <a16:creationId xmlns:a16="http://schemas.microsoft.com/office/drawing/2014/main" id="{243C0875-BA68-D4E0-0C9F-05835788ED49}"/>
+                <a16:creationId xmlns:a16="http://schemas.microsoft.com/office/drawing/2014/main" id="{E329CBBB-3718-5FC5-B323-AFE5EEFECA19}"/>
               </a:ext>
             </a:extLst>
           </p:cNvPr>
@@ -910,7 +910,7 @@
           <a:bodyPr/>
           <a:lstStyle/>
           <a:p>
-            <a:fld id="{1D7D6D67-ABDB-455D-ADCA-1D36A744D26B}" type="slidenum">
+            <a:fld id="{034E6BA7-3FDE-45F1-8FD1-267243AC1EFC}" type="slidenum">
               <a:rPr lang="zh-CN" altLang="en-US" smtClean="0"/>
               <a:t>‹#›</a:t>
             </a:fld>
@@ -921,7 +921,7 @@
     </p:spTree>
     <p:extLst>
       <p:ext uri="{BB962C8B-B14F-4D97-AF65-F5344CB8AC3E}">
-        <p14:creationId xmlns:p14="http://schemas.microsoft.com/office/powerpoint/2010/main" val="3320641867"/>
+        <p14:creationId xmlns:p14="http://schemas.microsoft.com/office/powerpoint/2010/main" val="252891467"/>
       </p:ext>
     </p:extLst>
   </p:cSld>
@@ -953,7 +953,7 @@
           <p:cNvPr id="2" name="标题 1">
             <a:extLst>
               <a:ext uri="{FF2B5EF4-FFF2-40B4-BE49-F238E27FC236}">
-                <a16:creationId xmlns:a16="http://schemas.microsoft.com/office/drawing/2014/main" id="{3175B905-C6E4-50D2-690D-DD97C3D1C4FC}"/>
+                <a16:creationId xmlns:a16="http://schemas.microsoft.com/office/drawing/2014/main" id="{36CCFD98-5934-DAB2-2B30-66DC2ECB67E0}"/>
               </a:ext>
             </a:extLst>
           </p:cNvPr>
@@ -990,7 +990,7 @@
           <p:cNvPr id="3" name="文本占位符 2">
             <a:extLst>
               <a:ext uri="{FF2B5EF4-FFF2-40B4-BE49-F238E27FC236}">
-                <a16:creationId xmlns:a16="http://schemas.microsoft.com/office/drawing/2014/main" id="{5C13AE53-1AC7-D6C4-892A-53E11C5F357A}"/>
+                <a16:creationId xmlns:a16="http://schemas.microsoft.com/office/drawing/2014/main" id="{EC134981-BBD1-1471-835B-FB55E6955C90}"/>
               </a:ext>
             </a:extLst>
           </p:cNvPr>
@@ -1115,7 +1115,7 @@
           <p:cNvPr id="4" name="日期占位符 3">
             <a:extLst>
               <a:ext uri="{FF2B5EF4-FFF2-40B4-BE49-F238E27FC236}">
-                <a16:creationId xmlns:a16="http://schemas.microsoft.com/office/drawing/2014/main" id="{6E106AF0-6AA6-FD13-0ED4-833BBED6DBC6}"/>
+                <a16:creationId xmlns:a16="http://schemas.microsoft.com/office/drawing/2014/main" id="{C066EE69-233B-935A-A31C-9A3EF8CA7FBC}"/>
               </a:ext>
             </a:extLst>
           </p:cNvPr>
@@ -1131,7 +1131,7 @@
           <a:bodyPr/>
           <a:lstStyle/>
           <a:p>
-            <a:fld id="{5A87188C-FE09-407A-9E7D-7EBF6D43FBC6}" type="datetimeFigureOut">
+            <a:fld id="{E21695D3-DBF8-4401-8AE5-9CD69B9C8440}" type="datetimeFigureOut">
               <a:rPr lang="zh-CN" altLang="en-US" smtClean="0"/>
               <a:t>2024/3/10</a:t>
             </a:fld>
@@ -1144,7 +1144,7 @@
           <p:cNvPr id="5" name="页脚占位符 4">
             <a:extLst>
               <a:ext uri="{FF2B5EF4-FFF2-40B4-BE49-F238E27FC236}">
-                <a16:creationId xmlns:a16="http://schemas.microsoft.com/office/drawing/2014/main" id="{29185F8A-FBC7-89DD-FABE-97A1B5238CCC}"/>
+                <a16:creationId xmlns:a16="http://schemas.microsoft.com/office/drawing/2014/main" id="{6F815673-8DB2-16E6-CFA1-40B854C7DBAE}"/>
               </a:ext>
             </a:extLst>
           </p:cNvPr>
@@ -1169,7 +1169,7 @@
           <p:cNvPr id="6" name="灯片编号占位符 5">
             <a:extLst>
               <a:ext uri="{FF2B5EF4-FFF2-40B4-BE49-F238E27FC236}">
-                <a16:creationId xmlns:a16="http://schemas.microsoft.com/office/drawing/2014/main" id="{DE1718FA-7D75-134D-DAFC-12DA795A3EB0}"/>
+                <a16:creationId xmlns:a16="http://schemas.microsoft.com/office/drawing/2014/main" id="{757DC5D1-5BD4-2BAC-0854-8D396FE2B457}"/>
               </a:ext>
             </a:extLst>
           </p:cNvPr>
@@ -1185,7 +1185,7 @@
           <a:bodyPr/>
           <a:lstStyle/>
           <a:p>
-            <a:fld id="{1D7D6D67-ABDB-455D-ADCA-1D36A744D26B}" type="slidenum">
+            <a:fld id="{034E6BA7-3FDE-45F1-8FD1-267243AC1EFC}" type="slidenum">
               <a:rPr lang="zh-CN" altLang="en-US" smtClean="0"/>
               <a:t>‹#›</a:t>
             </a:fld>
@@ -1196,7 +1196,7 @@
     </p:spTree>
     <p:extLst>
       <p:ext uri="{BB962C8B-B14F-4D97-AF65-F5344CB8AC3E}">
-        <p14:creationId xmlns:p14="http://schemas.microsoft.com/office/powerpoint/2010/main" val="692834416"/>
+        <p14:creationId xmlns:p14="http://schemas.microsoft.com/office/powerpoint/2010/main" val="3052249328"/>
       </p:ext>
     </p:extLst>
   </p:cSld>
@@ -1228,7 +1228,7 @@
           <p:cNvPr id="2" name="标题 1">
             <a:extLst>
               <a:ext uri="{FF2B5EF4-FFF2-40B4-BE49-F238E27FC236}">
-                <a16:creationId xmlns:a16="http://schemas.microsoft.com/office/drawing/2014/main" id="{12C2427E-DC08-29A9-40D8-1C7F5B258F91}"/>
+                <a16:creationId xmlns:a16="http://schemas.microsoft.com/office/drawing/2014/main" id="{A88B5AC0-0250-4E0A-24F0-B83B3C58083C}"/>
               </a:ext>
             </a:extLst>
           </p:cNvPr>
@@ -1256,7 +1256,7 @@
           <p:cNvPr id="3" name="内容占位符 2">
             <a:extLst>
               <a:ext uri="{FF2B5EF4-FFF2-40B4-BE49-F238E27FC236}">
-                <a16:creationId xmlns:a16="http://schemas.microsoft.com/office/drawing/2014/main" id="{3917744E-707A-1E46-92DD-2DBDED6189BD}"/>
+                <a16:creationId xmlns:a16="http://schemas.microsoft.com/office/drawing/2014/main" id="{C75A553E-2E86-3108-6B88-6141747C26B1}"/>
               </a:ext>
             </a:extLst>
           </p:cNvPr>
@@ -1318,7 +1318,7 @@
           <p:cNvPr id="4" name="内容占位符 3">
             <a:extLst>
               <a:ext uri="{FF2B5EF4-FFF2-40B4-BE49-F238E27FC236}">
-                <a16:creationId xmlns:a16="http://schemas.microsoft.com/office/drawing/2014/main" id="{A043F145-BEFC-4126-A4AA-B408603127DB}"/>
+                <a16:creationId xmlns:a16="http://schemas.microsoft.com/office/drawing/2014/main" id="{6891437C-3486-6373-6396-184CBC5B5712}"/>
               </a:ext>
             </a:extLst>
           </p:cNvPr>
@@ -1380,7 +1380,7 @@
           <p:cNvPr id="5" name="日期占位符 4">
             <a:extLst>
               <a:ext uri="{FF2B5EF4-FFF2-40B4-BE49-F238E27FC236}">
-                <a16:creationId xmlns:a16="http://schemas.microsoft.com/office/drawing/2014/main" id="{BF97A549-2289-361B-F765-AA036EACB006}"/>
+                <a16:creationId xmlns:a16="http://schemas.microsoft.com/office/drawing/2014/main" id="{9241792B-6DA4-211C-6F06-271EDA2AD17B}"/>
               </a:ext>
             </a:extLst>
           </p:cNvPr>
@@ -1396,7 +1396,7 @@
           <a:bodyPr/>
           <a:lstStyle/>
           <a:p>
-            <a:fld id="{5A87188C-FE09-407A-9E7D-7EBF6D43FBC6}" type="datetimeFigureOut">
+            <a:fld id="{E21695D3-DBF8-4401-8AE5-9CD69B9C8440}" type="datetimeFigureOut">
               <a:rPr lang="zh-CN" altLang="en-US" smtClean="0"/>
               <a:t>2024/3/10</a:t>
             </a:fld>
@@ -1409,7 +1409,7 @@
           <p:cNvPr id="6" name="页脚占位符 5">
             <a:extLst>
               <a:ext uri="{FF2B5EF4-FFF2-40B4-BE49-F238E27FC236}">
-                <a16:creationId xmlns:a16="http://schemas.microsoft.com/office/drawing/2014/main" id="{CE3214F6-081D-D530-980A-743AA2B0DE55}"/>
+                <a16:creationId xmlns:a16="http://schemas.microsoft.com/office/drawing/2014/main" id="{D0BBCBAE-3AD7-7ACA-3475-F9337D018B7A}"/>
               </a:ext>
             </a:extLst>
           </p:cNvPr>
@@ -1434,7 +1434,7 @@
           <p:cNvPr id="7" name="灯片编号占位符 6">
             <a:extLst>
               <a:ext uri="{FF2B5EF4-FFF2-40B4-BE49-F238E27FC236}">
-                <a16:creationId xmlns:a16="http://schemas.microsoft.com/office/drawing/2014/main" id="{2C870B43-466D-03A6-FD58-239A9427849C}"/>
+                <a16:creationId xmlns:a16="http://schemas.microsoft.com/office/drawing/2014/main" id="{E376460A-0F55-3F69-C5E7-09F39F3ACA75}"/>
               </a:ext>
             </a:extLst>
           </p:cNvPr>
@@ -1450,7 +1450,7 @@
           <a:bodyPr/>
           <a:lstStyle/>
           <a:p>
-            <a:fld id="{1D7D6D67-ABDB-455D-ADCA-1D36A744D26B}" type="slidenum">
+            <a:fld id="{034E6BA7-3FDE-45F1-8FD1-267243AC1EFC}" type="slidenum">
               <a:rPr lang="zh-CN" altLang="en-US" smtClean="0"/>
               <a:t>‹#›</a:t>
             </a:fld>
@@ -1461,7 +1461,7 @@
     </p:spTree>
     <p:extLst>
       <p:ext uri="{BB962C8B-B14F-4D97-AF65-F5344CB8AC3E}">
-        <p14:creationId xmlns:p14="http://schemas.microsoft.com/office/powerpoint/2010/main" val="1925645708"/>
+        <p14:creationId xmlns:p14="http://schemas.microsoft.com/office/powerpoint/2010/main" val="3704304786"/>
       </p:ext>
     </p:extLst>
   </p:cSld>
@@ -1493,7 +1493,7 @@
           <p:cNvPr id="2" name="标题 1">
             <a:extLst>
               <a:ext uri="{FF2B5EF4-FFF2-40B4-BE49-F238E27FC236}">
-                <a16:creationId xmlns:a16="http://schemas.microsoft.com/office/drawing/2014/main" id="{DDD6AB88-F232-8E14-616F-34CABAE90329}"/>
+                <a16:creationId xmlns:a16="http://schemas.microsoft.com/office/drawing/2014/main" id="{01C97BFB-88EA-EA66-B236-7D5799186781}"/>
               </a:ext>
             </a:extLst>
           </p:cNvPr>
@@ -1526,7 +1526,7 @@
           <p:cNvPr id="3" name="文本占位符 2">
             <a:extLst>
               <a:ext uri="{FF2B5EF4-FFF2-40B4-BE49-F238E27FC236}">
-                <a16:creationId xmlns:a16="http://schemas.microsoft.com/office/drawing/2014/main" id="{AE1E41C9-C1CE-7F1E-D6DB-CAEEA33665D4}"/>
+                <a16:creationId xmlns:a16="http://schemas.microsoft.com/office/drawing/2014/main" id="{13A711D9-FB91-2EB5-8C2A-296012C7DF65}"/>
               </a:ext>
             </a:extLst>
           </p:cNvPr>
@@ -1597,7 +1597,7 @@
           <p:cNvPr id="4" name="内容占位符 3">
             <a:extLst>
               <a:ext uri="{FF2B5EF4-FFF2-40B4-BE49-F238E27FC236}">
-                <a16:creationId xmlns:a16="http://schemas.microsoft.com/office/drawing/2014/main" id="{8B2B8BAE-4B6A-6060-FA50-34BABBE03EBB}"/>
+                <a16:creationId xmlns:a16="http://schemas.microsoft.com/office/drawing/2014/main" id="{C40A180E-A415-8F5C-C8D3-A2BC8E4FC2E0}"/>
               </a:ext>
             </a:extLst>
           </p:cNvPr>
@@ -1659,7 +1659,7 @@
           <p:cNvPr id="5" name="文本占位符 4">
             <a:extLst>
               <a:ext uri="{FF2B5EF4-FFF2-40B4-BE49-F238E27FC236}">
-                <a16:creationId xmlns:a16="http://schemas.microsoft.com/office/drawing/2014/main" id="{944BA939-F5E2-FA16-6737-ABF3053C37CB}"/>
+                <a16:creationId xmlns:a16="http://schemas.microsoft.com/office/drawing/2014/main" id="{80356CDA-D1FB-154F-EE38-AD652EF06B0A}"/>
               </a:ext>
             </a:extLst>
           </p:cNvPr>
@@ -1730,7 +1730,7 @@
           <p:cNvPr id="6" name="内容占位符 5">
             <a:extLst>
               <a:ext uri="{FF2B5EF4-FFF2-40B4-BE49-F238E27FC236}">
-                <a16:creationId xmlns:a16="http://schemas.microsoft.com/office/drawing/2014/main" id="{14AE4190-59D1-1D0E-C6F5-0562DA9C74AD}"/>
+                <a16:creationId xmlns:a16="http://schemas.microsoft.com/office/drawing/2014/main" id="{15BE2654-4D18-650E-3E0D-141ADF05776B}"/>
               </a:ext>
             </a:extLst>
           </p:cNvPr>
@@ -1792,7 +1792,7 @@
           <p:cNvPr id="7" name="日期占位符 6">
             <a:extLst>
               <a:ext uri="{FF2B5EF4-FFF2-40B4-BE49-F238E27FC236}">
-                <a16:creationId xmlns:a16="http://schemas.microsoft.com/office/drawing/2014/main" id="{AEBD09C0-C3CD-2994-94BF-3D1E9D756C59}"/>
+                <a16:creationId xmlns:a16="http://schemas.microsoft.com/office/drawing/2014/main" id="{D93F4E82-A371-91C2-7858-2B8C1FC8F4E8}"/>
               </a:ext>
             </a:extLst>
           </p:cNvPr>
@@ -1808,7 +1808,7 @@
           <a:bodyPr/>
           <a:lstStyle/>
           <a:p>
-            <a:fld id="{5A87188C-FE09-407A-9E7D-7EBF6D43FBC6}" type="datetimeFigureOut">
+            <a:fld id="{E21695D3-DBF8-4401-8AE5-9CD69B9C8440}" type="datetimeFigureOut">
               <a:rPr lang="zh-CN" altLang="en-US" smtClean="0"/>
               <a:t>2024/3/10</a:t>
             </a:fld>
@@ -1821,7 +1821,7 @@
           <p:cNvPr id="8" name="页脚占位符 7">
             <a:extLst>
               <a:ext uri="{FF2B5EF4-FFF2-40B4-BE49-F238E27FC236}">
-                <a16:creationId xmlns:a16="http://schemas.microsoft.com/office/drawing/2014/main" id="{D77CD69C-909D-911F-63C5-98553A80BCA1}"/>
+                <a16:creationId xmlns:a16="http://schemas.microsoft.com/office/drawing/2014/main" id="{8A9518C1-7B60-D797-4498-1A0A012293AC}"/>
               </a:ext>
             </a:extLst>
           </p:cNvPr>
@@ -1846,7 +1846,7 @@
           <p:cNvPr id="9" name="灯片编号占位符 8">
             <a:extLst>
               <a:ext uri="{FF2B5EF4-FFF2-40B4-BE49-F238E27FC236}">
-                <a16:creationId xmlns:a16="http://schemas.microsoft.com/office/drawing/2014/main" id="{90189B01-B263-23D0-7F6A-0600FEBB60D9}"/>
+                <a16:creationId xmlns:a16="http://schemas.microsoft.com/office/drawing/2014/main" id="{128110C8-7A49-1612-4F69-E026681E24D6}"/>
               </a:ext>
             </a:extLst>
           </p:cNvPr>
@@ -1862,7 +1862,7 @@
           <a:bodyPr/>
           <a:lstStyle/>
           <a:p>
-            <a:fld id="{1D7D6D67-ABDB-455D-ADCA-1D36A744D26B}" type="slidenum">
+            <a:fld id="{034E6BA7-3FDE-45F1-8FD1-267243AC1EFC}" type="slidenum">
               <a:rPr lang="zh-CN" altLang="en-US" smtClean="0"/>
               <a:t>‹#›</a:t>
             </a:fld>
@@ -1873,7 +1873,7 @@
     </p:spTree>
     <p:extLst>
       <p:ext uri="{BB962C8B-B14F-4D97-AF65-F5344CB8AC3E}">
-        <p14:creationId xmlns:p14="http://schemas.microsoft.com/office/powerpoint/2010/main" val="2939068172"/>
+        <p14:creationId xmlns:p14="http://schemas.microsoft.com/office/powerpoint/2010/main" val="3844421813"/>
       </p:ext>
     </p:extLst>
   </p:cSld>
@@ -1905,7 +1905,7 @@
           <p:cNvPr id="2" name="标题 1">
             <a:extLst>
               <a:ext uri="{FF2B5EF4-FFF2-40B4-BE49-F238E27FC236}">
-                <a16:creationId xmlns:a16="http://schemas.microsoft.com/office/drawing/2014/main" id="{064A2B95-9DAE-3F7A-E041-BCED9C11EEE2}"/>
+                <a16:creationId xmlns:a16="http://schemas.microsoft.com/office/drawing/2014/main" id="{DBB79194-ABFE-56E7-6A6E-1821A0CC24FD}"/>
               </a:ext>
             </a:extLst>
           </p:cNvPr>
@@ -1933,7 +1933,7 @@
           <p:cNvPr id="3" name="日期占位符 2">
             <a:extLst>
               <a:ext uri="{FF2B5EF4-FFF2-40B4-BE49-F238E27FC236}">
-                <a16:creationId xmlns:a16="http://schemas.microsoft.com/office/drawing/2014/main" id="{46247A76-4A29-6E9F-FEC9-30D88183D338}"/>
+                <a16:creationId xmlns:a16="http://schemas.microsoft.com/office/drawing/2014/main" id="{ABD050BF-64F2-F795-D7EF-DD9FC7B4DFA5}"/>
               </a:ext>
             </a:extLst>
           </p:cNvPr>
@@ -1949,7 +1949,7 @@
           <a:bodyPr/>
           <a:lstStyle/>
           <a:p>
-            <a:fld id="{5A87188C-FE09-407A-9E7D-7EBF6D43FBC6}" type="datetimeFigureOut">
+            <a:fld id="{E21695D3-DBF8-4401-8AE5-9CD69B9C8440}" type="datetimeFigureOut">
               <a:rPr lang="zh-CN" altLang="en-US" smtClean="0"/>
               <a:t>2024/3/10</a:t>
             </a:fld>
@@ -1962,7 +1962,7 @@
           <p:cNvPr id="4" name="页脚占位符 3">
             <a:extLst>
               <a:ext uri="{FF2B5EF4-FFF2-40B4-BE49-F238E27FC236}">
-                <a16:creationId xmlns:a16="http://schemas.microsoft.com/office/drawing/2014/main" id="{22062679-48A3-17D7-3898-4B2F896F2934}"/>
+                <a16:creationId xmlns:a16="http://schemas.microsoft.com/office/drawing/2014/main" id="{87BE5F63-F85D-6762-A38E-65B27138636E}"/>
               </a:ext>
             </a:extLst>
           </p:cNvPr>
@@ -1987,7 +1987,7 @@
           <p:cNvPr id="5" name="灯片编号占位符 4">
             <a:extLst>
               <a:ext uri="{FF2B5EF4-FFF2-40B4-BE49-F238E27FC236}">
-                <a16:creationId xmlns:a16="http://schemas.microsoft.com/office/drawing/2014/main" id="{A6476BB4-1A86-D1CB-7B5B-283213E820CC}"/>
+                <a16:creationId xmlns:a16="http://schemas.microsoft.com/office/drawing/2014/main" id="{DB6B50EE-3427-84AD-654C-B34B7FE866C2}"/>
               </a:ext>
             </a:extLst>
           </p:cNvPr>
@@ -2003,7 +2003,7 @@
           <a:bodyPr/>
           <a:lstStyle/>
           <a:p>
-            <a:fld id="{1D7D6D67-ABDB-455D-ADCA-1D36A744D26B}" type="slidenum">
+            <a:fld id="{034E6BA7-3FDE-45F1-8FD1-267243AC1EFC}" type="slidenum">
               <a:rPr lang="zh-CN" altLang="en-US" smtClean="0"/>
               <a:t>‹#›</a:t>
             </a:fld>
@@ -2014,7 +2014,7 @@
     </p:spTree>
     <p:extLst>
       <p:ext uri="{BB962C8B-B14F-4D97-AF65-F5344CB8AC3E}">
-        <p14:creationId xmlns:p14="http://schemas.microsoft.com/office/powerpoint/2010/main" val="1467343693"/>
+        <p14:creationId xmlns:p14="http://schemas.microsoft.com/office/powerpoint/2010/main" val="2780172510"/>
       </p:ext>
     </p:extLst>
   </p:cSld>
@@ -2046,7 +2046,7 @@
           <p:cNvPr id="2" name="日期占位符 1">
             <a:extLst>
               <a:ext uri="{FF2B5EF4-FFF2-40B4-BE49-F238E27FC236}">
-                <a16:creationId xmlns:a16="http://schemas.microsoft.com/office/drawing/2014/main" id="{01696E76-ABFD-BD7A-03E9-29B235ABC562}"/>
+                <a16:creationId xmlns:a16="http://schemas.microsoft.com/office/drawing/2014/main" id="{976A30F8-AC2D-FDED-A1A6-63B5A2C12A67}"/>
               </a:ext>
             </a:extLst>
           </p:cNvPr>
@@ -2062,7 +2062,7 @@
           <a:bodyPr/>
           <a:lstStyle/>
           <a:p>
-            <a:fld id="{5A87188C-FE09-407A-9E7D-7EBF6D43FBC6}" type="datetimeFigureOut">
+            <a:fld id="{E21695D3-DBF8-4401-8AE5-9CD69B9C8440}" type="datetimeFigureOut">
               <a:rPr lang="zh-CN" altLang="en-US" smtClean="0"/>
               <a:t>2024/3/10</a:t>
             </a:fld>
@@ -2075,7 +2075,7 @@
           <p:cNvPr id="3" name="页脚占位符 2">
             <a:extLst>
               <a:ext uri="{FF2B5EF4-FFF2-40B4-BE49-F238E27FC236}">
-                <a16:creationId xmlns:a16="http://schemas.microsoft.com/office/drawing/2014/main" id="{26B48A06-8666-46E1-6D65-3251F6DDD639}"/>
+                <a16:creationId xmlns:a16="http://schemas.microsoft.com/office/drawing/2014/main" id="{3AB1924B-A4A5-9FBC-634E-DD96277A89D9}"/>
               </a:ext>
             </a:extLst>
           </p:cNvPr>
@@ -2100,7 +2100,7 @@
           <p:cNvPr id="4" name="灯片编号占位符 3">
             <a:extLst>
               <a:ext uri="{FF2B5EF4-FFF2-40B4-BE49-F238E27FC236}">
-                <a16:creationId xmlns:a16="http://schemas.microsoft.com/office/drawing/2014/main" id="{B021E6D7-CE67-19BB-04CD-AC1A1377B27C}"/>
+                <a16:creationId xmlns:a16="http://schemas.microsoft.com/office/drawing/2014/main" id="{8F8BAD46-033B-2E77-DBC6-D6F821D6F279}"/>
               </a:ext>
             </a:extLst>
           </p:cNvPr>
@@ -2116,7 +2116,7 @@
           <a:bodyPr/>
           <a:lstStyle/>
           <a:p>
-            <a:fld id="{1D7D6D67-ABDB-455D-ADCA-1D36A744D26B}" type="slidenum">
+            <a:fld id="{034E6BA7-3FDE-45F1-8FD1-267243AC1EFC}" type="slidenum">
               <a:rPr lang="zh-CN" altLang="en-US" smtClean="0"/>
               <a:t>‹#›</a:t>
             </a:fld>
@@ -2127,7 +2127,7 @@
     </p:spTree>
     <p:extLst>
       <p:ext uri="{BB962C8B-B14F-4D97-AF65-F5344CB8AC3E}">
-        <p14:creationId xmlns:p14="http://schemas.microsoft.com/office/powerpoint/2010/main" val="1001042820"/>
+        <p14:creationId xmlns:p14="http://schemas.microsoft.com/office/powerpoint/2010/main" val="133151995"/>
       </p:ext>
     </p:extLst>
   </p:cSld>
@@ -2159,7 +2159,7 @@
           <p:cNvPr id="2" name="标题 1">
             <a:extLst>
               <a:ext uri="{FF2B5EF4-FFF2-40B4-BE49-F238E27FC236}">
-                <a16:creationId xmlns:a16="http://schemas.microsoft.com/office/drawing/2014/main" id="{B676E447-CC27-E766-4789-36C8CF87CD3F}"/>
+                <a16:creationId xmlns:a16="http://schemas.microsoft.com/office/drawing/2014/main" id="{69E91B90-96AF-2060-617D-6434718B15AD}"/>
               </a:ext>
             </a:extLst>
           </p:cNvPr>
@@ -2196,7 +2196,7 @@
           <p:cNvPr id="3" name="内容占位符 2">
             <a:extLst>
               <a:ext uri="{FF2B5EF4-FFF2-40B4-BE49-F238E27FC236}">
-                <a16:creationId xmlns:a16="http://schemas.microsoft.com/office/drawing/2014/main" id="{2BB31457-6C7C-F7A8-F912-A9E003A7B26F}"/>
+                <a16:creationId xmlns:a16="http://schemas.microsoft.com/office/drawing/2014/main" id="{FFDD447B-6700-C5FA-F354-AABC222BD49C}"/>
               </a:ext>
             </a:extLst>
           </p:cNvPr>
@@ -2286,7 +2286,7 @@
           <p:cNvPr id="4" name="文本占位符 3">
             <a:extLst>
               <a:ext uri="{FF2B5EF4-FFF2-40B4-BE49-F238E27FC236}">
-                <a16:creationId xmlns:a16="http://schemas.microsoft.com/office/drawing/2014/main" id="{A01CCA7B-9658-1247-7C5E-4B062018763F}"/>
+                <a16:creationId xmlns:a16="http://schemas.microsoft.com/office/drawing/2014/main" id="{64E44968-3AEF-0703-A0AF-C7940F037A2B}"/>
               </a:ext>
             </a:extLst>
           </p:cNvPr>
@@ -2357,7 +2357,7 @@
           <p:cNvPr id="5" name="日期占位符 4">
             <a:extLst>
               <a:ext uri="{FF2B5EF4-FFF2-40B4-BE49-F238E27FC236}">
-                <a16:creationId xmlns:a16="http://schemas.microsoft.com/office/drawing/2014/main" id="{74142D9F-25E2-6E7D-C02B-D93D7EAF9FE9}"/>
+                <a16:creationId xmlns:a16="http://schemas.microsoft.com/office/drawing/2014/main" id="{3A426FD7-D334-858B-7B3F-E2E38D618DA8}"/>
               </a:ext>
             </a:extLst>
           </p:cNvPr>
@@ -2373,7 +2373,7 @@
           <a:bodyPr/>
           <a:lstStyle/>
           <a:p>
-            <a:fld id="{5A87188C-FE09-407A-9E7D-7EBF6D43FBC6}" type="datetimeFigureOut">
+            <a:fld id="{E21695D3-DBF8-4401-8AE5-9CD69B9C8440}" type="datetimeFigureOut">
               <a:rPr lang="zh-CN" altLang="en-US" smtClean="0"/>
               <a:t>2024/3/10</a:t>
             </a:fld>
@@ -2386,7 +2386,7 @@
           <p:cNvPr id="6" name="页脚占位符 5">
             <a:extLst>
               <a:ext uri="{FF2B5EF4-FFF2-40B4-BE49-F238E27FC236}">
-                <a16:creationId xmlns:a16="http://schemas.microsoft.com/office/drawing/2014/main" id="{3062D80E-3836-0487-8696-4E9A2A5CBFF7}"/>
+                <a16:creationId xmlns:a16="http://schemas.microsoft.com/office/drawing/2014/main" id="{2CA6D2DA-4BDF-6D3B-DC82-7C6C9771E7FC}"/>
               </a:ext>
             </a:extLst>
           </p:cNvPr>
@@ -2411,7 +2411,7 @@
           <p:cNvPr id="7" name="灯片编号占位符 6">
             <a:extLst>
               <a:ext uri="{FF2B5EF4-FFF2-40B4-BE49-F238E27FC236}">
-                <a16:creationId xmlns:a16="http://schemas.microsoft.com/office/drawing/2014/main" id="{22CA4032-45EB-D8F3-6DFE-841D7CDE8655}"/>
+                <a16:creationId xmlns:a16="http://schemas.microsoft.com/office/drawing/2014/main" id="{469A6CB0-E3BF-032E-FEEB-59DA6CB63CD1}"/>
               </a:ext>
             </a:extLst>
           </p:cNvPr>
@@ -2427,7 +2427,7 @@
           <a:bodyPr/>
           <a:lstStyle/>
           <a:p>
-            <a:fld id="{1D7D6D67-ABDB-455D-ADCA-1D36A744D26B}" type="slidenum">
+            <a:fld id="{034E6BA7-3FDE-45F1-8FD1-267243AC1EFC}" type="slidenum">
               <a:rPr lang="zh-CN" altLang="en-US" smtClean="0"/>
               <a:t>‹#›</a:t>
             </a:fld>
@@ -2438,7 +2438,7 @@
     </p:spTree>
     <p:extLst>
       <p:ext uri="{BB962C8B-B14F-4D97-AF65-F5344CB8AC3E}">
-        <p14:creationId xmlns:p14="http://schemas.microsoft.com/office/powerpoint/2010/main" val="3081101177"/>
+        <p14:creationId xmlns:p14="http://schemas.microsoft.com/office/powerpoint/2010/main" val="838353936"/>
       </p:ext>
     </p:extLst>
   </p:cSld>
@@ -2470,7 +2470,7 @@
           <p:cNvPr id="2" name="标题 1">
             <a:extLst>
               <a:ext uri="{FF2B5EF4-FFF2-40B4-BE49-F238E27FC236}">
-                <a16:creationId xmlns:a16="http://schemas.microsoft.com/office/drawing/2014/main" id="{1FACDDA0-0095-18FB-F2F4-DFFB0766E4F2}"/>
+                <a16:creationId xmlns:a16="http://schemas.microsoft.com/office/drawing/2014/main" id="{E6BA72B6-4EB6-C461-6A90-A03B696664C7}"/>
               </a:ext>
             </a:extLst>
           </p:cNvPr>
@@ -2507,7 +2507,7 @@
           <p:cNvPr id="3" name="图片占位符 2">
             <a:extLst>
               <a:ext uri="{FF2B5EF4-FFF2-40B4-BE49-F238E27FC236}">
-                <a16:creationId xmlns:a16="http://schemas.microsoft.com/office/drawing/2014/main" id="{44940842-0A08-90A7-614F-36E083A3EC4C}"/>
+                <a16:creationId xmlns:a16="http://schemas.microsoft.com/office/drawing/2014/main" id="{6FEF268A-841D-FFF7-4E51-89B09FB800DF}"/>
               </a:ext>
             </a:extLst>
           </p:cNvPr>
@@ -2574,7 +2574,7 @@
           <p:cNvPr id="4" name="文本占位符 3">
             <a:extLst>
               <a:ext uri="{FF2B5EF4-FFF2-40B4-BE49-F238E27FC236}">
-                <a16:creationId xmlns:a16="http://schemas.microsoft.com/office/drawing/2014/main" id="{09E213D3-E688-17C4-605F-FACA60CC888C}"/>
+                <a16:creationId xmlns:a16="http://schemas.microsoft.com/office/drawing/2014/main" id="{5C900E3A-0D70-7B7C-BD4E-ED01FA1BB96E}"/>
               </a:ext>
             </a:extLst>
           </p:cNvPr>
@@ -2645,7 +2645,7 @@
           <p:cNvPr id="5" name="日期占位符 4">
             <a:extLst>
               <a:ext uri="{FF2B5EF4-FFF2-40B4-BE49-F238E27FC236}">
-                <a16:creationId xmlns:a16="http://schemas.microsoft.com/office/drawing/2014/main" id="{BB29D768-D6B6-294E-F4AF-72D5C403A654}"/>
+                <a16:creationId xmlns:a16="http://schemas.microsoft.com/office/drawing/2014/main" id="{3F9E8A5D-7B6E-4278-39B3-ADB92AC5DE2C}"/>
               </a:ext>
             </a:extLst>
           </p:cNvPr>
@@ -2661,7 +2661,7 @@
           <a:bodyPr/>
           <a:lstStyle/>
           <a:p>
-            <a:fld id="{5A87188C-FE09-407A-9E7D-7EBF6D43FBC6}" type="datetimeFigureOut">
+            <a:fld id="{E21695D3-DBF8-4401-8AE5-9CD69B9C8440}" type="datetimeFigureOut">
               <a:rPr lang="zh-CN" altLang="en-US" smtClean="0"/>
               <a:t>2024/3/10</a:t>
             </a:fld>
@@ -2674,7 +2674,7 @@
           <p:cNvPr id="6" name="页脚占位符 5">
             <a:extLst>
               <a:ext uri="{FF2B5EF4-FFF2-40B4-BE49-F238E27FC236}">
-                <a16:creationId xmlns:a16="http://schemas.microsoft.com/office/drawing/2014/main" id="{D5C0EFC7-6CFF-E63C-162E-FB817109E8FF}"/>
+                <a16:creationId xmlns:a16="http://schemas.microsoft.com/office/drawing/2014/main" id="{0FAD2C3D-CD0E-E16D-4DD4-BB887BF594C6}"/>
               </a:ext>
             </a:extLst>
           </p:cNvPr>
@@ -2699,7 +2699,7 @@
           <p:cNvPr id="7" name="灯片编号占位符 6">
             <a:extLst>
               <a:ext uri="{FF2B5EF4-FFF2-40B4-BE49-F238E27FC236}">
-                <a16:creationId xmlns:a16="http://schemas.microsoft.com/office/drawing/2014/main" id="{B462E3D6-F3D0-903C-26D2-8378CDAF471C}"/>
+                <a16:creationId xmlns:a16="http://schemas.microsoft.com/office/drawing/2014/main" id="{1C015EAF-7820-6579-7307-4E8B82A2A8F8}"/>
               </a:ext>
             </a:extLst>
           </p:cNvPr>
@@ -2715,7 +2715,7 @@
           <a:bodyPr/>
           <a:lstStyle/>
           <a:p>
-            <a:fld id="{1D7D6D67-ABDB-455D-ADCA-1D36A744D26B}" type="slidenum">
+            <a:fld id="{034E6BA7-3FDE-45F1-8FD1-267243AC1EFC}" type="slidenum">
               <a:rPr lang="zh-CN" altLang="en-US" smtClean="0"/>
               <a:t>‹#›</a:t>
             </a:fld>
@@ -2726,7 +2726,7 @@
     </p:spTree>
     <p:extLst>
       <p:ext uri="{BB962C8B-B14F-4D97-AF65-F5344CB8AC3E}">
-        <p14:creationId xmlns:p14="http://schemas.microsoft.com/office/powerpoint/2010/main" val="1935190420"/>
+        <p14:creationId xmlns:p14="http://schemas.microsoft.com/office/powerpoint/2010/main" val="2983585329"/>
       </p:ext>
     </p:extLst>
   </p:cSld>
@@ -2763,7 +2763,7 @@
           <p:cNvPr id="2" name="标题占位符 1">
             <a:extLst>
               <a:ext uri="{FF2B5EF4-FFF2-40B4-BE49-F238E27FC236}">
-                <a16:creationId xmlns:a16="http://schemas.microsoft.com/office/drawing/2014/main" id="{A8181324-4B78-F856-859F-96AC1E83445B}"/>
+                <a16:creationId xmlns:a16="http://schemas.microsoft.com/office/drawing/2014/main" id="{0EEFAE60-E4FD-6AED-569A-710E59FD5634}"/>
               </a:ext>
             </a:extLst>
           </p:cNvPr>
@@ -2801,7 +2801,7 @@
           <p:cNvPr id="3" name="文本占位符 2">
             <a:extLst>
               <a:ext uri="{FF2B5EF4-FFF2-40B4-BE49-F238E27FC236}">
-                <a16:creationId xmlns:a16="http://schemas.microsoft.com/office/drawing/2014/main" id="{1455DD0E-9673-DEB9-124B-6E62F0EE0DFE}"/>
+                <a16:creationId xmlns:a16="http://schemas.microsoft.com/office/drawing/2014/main" id="{CB2EFC6E-360D-7CE4-19DD-A5FAB61B39CC}"/>
               </a:ext>
             </a:extLst>
           </p:cNvPr>
@@ -2868,7 +2868,7 @@
           <p:cNvPr id="4" name="日期占位符 3">
             <a:extLst>
               <a:ext uri="{FF2B5EF4-FFF2-40B4-BE49-F238E27FC236}">
-                <a16:creationId xmlns:a16="http://schemas.microsoft.com/office/drawing/2014/main" id="{A03C078A-6617-CB09-DD1A-AA8D73ACBC94}"/>
+                <a16:creationId xmlns:a16="http://schemas.microsoft.com/office/drawing/2014/main" id="{A3EEC3AC-68AD-B7EA-DAA7-20097A0B49D2}"/>
               </a:ext>
             </a:extLst>
           </p:cNvPr>
@@ -2902,7 +2902,7 @@
             </a:lvl1pPr>
           </a:lstStyle>
           <a:p>
-            <a:fld id="{5A87188C-FE09-407A-9E7D-7EBF6D43FBC6}" type="datetimeFigureOut">
+            <a:fld id="{E21695D3-DBF8-4401-8AE5-9CD69B9C8440}" type="datetimeFigureOut">
               <a:rPr lang="zh-CN" altLang="en-US" smtClean="0"/>
               <a:t>2024/3/10</a:t>
             </a:fld>
@@ -2915,7 +2915,7 @@
           <p:cNvPr id="5" name="页脚占位符 4">
             <a:extLst>
               <a:ext uri="{FF2B5EF4-FFF2-40B4-BE49-F238E27FC236}">
-                <a16:creationId xmlns:a16="http://schemas.microsoft.com/office/drawing/2014/main" id="{0D9C4650-6BD9-B472-5C21-7FF75C64E2C5}"/>
+                <a16:creationId xmlns:a16="http://schemas.microsoft.com/office/drawing/2014/main" id="{B592BE4E-EB7D-5B53-BF92-20532846A2F3}"/>
               </a:ext>
             </a:extLst>
           </p:cNvPr>
@@ -2958,7 +2958,7 @@
           <p:cNvPr id="6" name="灯片编号占位符 5">
             <a:extLst>
               <a:ext uri="{FF2B5EF4-FFF2-40B4-BE49-F238E27FC236}">
-                <a16:creationId xmlns:a16="http://schemas.microsoft.com/office/drawing/2014/main" id="{1132B21B-207D-8C2E-7C51-C90E1609B280}"/>
+                <a16:creationId xmlns:a16="http://schemas.microsoft.com/office/drawing/2014/main" id="{B1684655-050A-63B8-F574-3E564C334E20}"/>
               </a:ext>
             </a:extLst>
           </p:cNvPr>
@@ -2992,7 +2992,7 @@
             </a:lvl1pPr>
           </a:lstStyle>
           <a:p>
-            <a:fld id="{1D7D6D67-ABDB-455D-ADCA-1D36A744D26B}" type="slidenum">
+            <a:fld id="{034E6BA7-3FDE-45F1-8FD1-267243AC1EFC}" type="slidenum">
               <a:rPr lang="zh-CN" altLang="en-US" smtClean="0"/>
               <a:t>‹#›</a:t>
             </a:fld>
@@ -3003,7 +3003,7 @@
     </p:spTree>
     <p:extLst>
       <p:ext uri="{BB962C8B-B14F-4D97-AF65-F5344CB8AC3E}">
-        <p14:creationId xmlns:p14="http://schemas.microsoft.com/office/powerpoint/2010/main" val="1227984689"/>
+        <p14:creationId xmlns:p14="http://schemas.microsoft.com/office/powerpoint/2010/main" val="1078266993"/>
       </p:ext>
     </p:extLst>
   </p:cSld>
